--- a/javascript.pptx
+++ b/javascript.pptx
@@ -3501,8 +3501,70 @@
         </p:blipFill>
         <p:spPr bwMode="auto">
           <a:xfrm>
-            <a:off x="4610101" y="3213102"/>
+            <a:off x="5219701" y="2886867"/>
             <a:ext cx="6297241" cy="3255965"/>
+          </a:xfrm>
+          <a:prstGeom prst="rect">
+            <a:avLst/>
+          </a:prstGeom>
+          <a:noFill/>
+          <a:ln>
+            <a:noFill/>
+          </a:ln>
+          <a:effectLst/>
+          <a:extLst>
+            <a:ext uri="{909E8E84-426E-40DD-AFC4-6F175D3DCCD1}">
+              <a14:hiddenFill xmlns:a14="http://schemas.microsoft.com/office/drawing/2010/main">
+                <a:solidFill>
+                  <a:schemeClr val="accent1"/>
+                </a:solidFill>
+              </a14:hiddenFill>
+            </a:ext>
+            <a:ext uri="{91240B29-F687-4F45-9708-019B960494DF}">
+              <a14:hiddenLine xmlns:a14="http://schemas.microsoft.com/office/drawing/2010/main" w="9525">
+                <a:solidFill>
+                  <a:schemeClr val="tx1"/>
+                </a:solidFill>
+                <a:miter lim="800000"/>
+                <a:headEnd/>
+                <a:tailEnd/>
+              </a14:hiddenLine>
+            </a:ext>
+            <a:ext uri="{AF507438-7753-43E0-B8FC-AC1667EBCBE1}">
+              <a14:hiddenEffects xmlns:a14="http://schemas.microsoft.com/office/drawing/2010/main">
+                <a:effectLst>
+                  <a:outerShdw dist="35921" dir="2700000" algn="ctr" rotWithShape="0">
+                    <a:schemeClr val="bg2"/>
+                  </a:outerShdw>
+                </a:effectLst>
+              </a14:hiddenEffects>
+            </a:ext>
+          </a:extLst>
+        </p:spPr>
+      </p:pic>
+      <p:pic>
+        <p:nvPicPr>
+          <p:cNvPr id="4" name="Picture 2"/>
+          <p:cNvPicPr>
+            <a:picLocks noChangeAspect="1" noChangeArrowheads="1"/>
+          </p:cNvPicPr>
+          <p:nvPr/>
+        </p:nvPicPr>
+        <p:blipFill rotWithShape="1">
+          <a:blip r:embed="rId3">
+            <a:extLst>
+              <a:ext uri="{28A0092B-C50C-407E-A947-70E740481C1C}">
+                <a14:useLocalDpi xmlns:a14="http://schemas.microsoft.com/office/drawing/2010/main" val="0"/>
+              </a:ext>
+            </a:extLst>
+          </a:blip>
+          <a:srcRect l="26874" t="14792" r="33821" b="48665"/>
+          <a:stretch/>
+        </p:blipFill>
+        <p:spPr bwMode="auto">
+          <a:xfrm>
+            <a:off x="0" y="3136899"/>
+            <a:ext cx="5269728" cy="2755900"/>
           </a:xfrm>
           <a:prstGeom prst="rect">
             <a:avLst/>
